--- a/images/synthetic_data_principle.pptx
+++ b/images/synthetic_data_principle.pptx
@@ -3036,7 +3036,7 @@
         </p:nvSpPr>
         <p:spPr>
           <a:xfrm>
-            <a:off x="1785624" y="3620147"/>
+            <a:off x="1822255" y="3617231"/>
             <a:ext cx="400134" cy="401018"/>
           </a:xfrm>
           <a:prstGeom prst="ellipse">
@@ -3187,82 +3187,6 @@
           </a:prstGeom>
         </p:spPr>
       </p:pic>
-      <p:sp>
-        <p:nvSpPr>
-          <p:cNvPr id="22" name="Textfeld 21">
-            <a:extLst>
-              <a:ext uri="{FF2B5EF4-FFF2-40B4-BE49-F238E27FC236}">
-                <a16:creationId xmlns:a16="http://schemas.microsoft.com/office/drawing/2014/main" id="{CC2AB4B8-9594-4E4D-9AF3-CDBAD7D4CBF5}"/>
-              </a:ext>
-            </a:extLst>
-          </p:cNvPr>
-          <p:cNvSpPr txBox="1"/>
-          <p:nvPr/>
-        </p:nvSpPr>
-        <p:spPr>
-          <a:xfrm>
-            <a:off x="149446" y="4525829"/>
-            <a:ext cx="2448271" cy="707886"/>
-          </a:xfrm>
-          <a:prstGeom prst="rect">
-            <a:avLst/>
-          </a:prstGeom>
-          <a:noFill/>
-        </p:spPr>
-        <p:txBody>
-          <a:bodyPr wrap="square" rtlCol="0">
-            <a:spAutoFit/>
-          </a:bodyPr>
-          <a:lstStyle/>
-          <a:p>
-            <a:pPr algn="ctr"/>
-            <a:r>
-              <a:rPr lang="de-DE" sz="2000" dirty="0"/>
-              <a:t>(</a:t>
-            </a:r>
-            <a:r>
-              <a:rPr lang="de-DE" sz="2000" dirty="0" err="1"/>
-              <a:t>or</a:t>
-            </a:r>
-            <a:r>
-              <a:rPr lang="de-DE" sz="2000" dirty="0"/>
-              <a:t> </a:t>
-            </a:r>
-            <a:r>
-              <a:rPr lang="de-DE" sz="2000" dirty="0" err="1"/>
-              <a:t>any</a:t>
-            </a:r>
-            <a:r>
-              <a:rPr lang="de-DE" sz="2000" dirty="0"/>
-              <a:t> </a:t>
-            </a:r>
-            <a:r>
-              <a:rPr lang="de-DE" sz="2000" dirty="0" err="1"/>
-              <a:t>kind</a:t>
-            </a:r>
-            <a:r>
-              <a:rPr lang="de-DE" sz="2000" dirty="0"/>
-              <a:t> </a:t>
-            </a:r>
-            <a:r>
-              <a:rPr lang="de-DE" sz="2000" dirty="0" err="1"/>
-              <a:t>of</a:t>
-            </a:r>
-            <a:r>
-              <a:rPr lang="de-DE" sz="2000" dirty="0"/>
-              <a:t> </a:t>
-            </a:r>
-            <a:r>
-              <a:rPr lang="de-DE" sz="2000" dirty="0" err="1"/>
-              <a:t>analysis</a:t>
-            </a:r>
-            <a:r>
-              <a:rPr lang="de-DE" sz="2000" dirty="0"/>
-              <a:t>)</a:t>
-            </a:r>
-          </a:p>
-        </p:txBody>
-      </p:sp>
       <p:cxnSp>
         <p:nvCxnSpPr>
           <p:cNvPr id="31" name="Gerade Verbindung mit Pfeil 30">
@@ -4626,42 +4550,113 @@
           </a:prstGeom>
         </p:spPr>
       </p:pic>
-      <p:pic>
-        <p:nvPicPr>
-          <p:cNvPr id="5" name="Grafik 4">
+      <p:grpSp>
+        <p:nvGrpSpPr>
+          <p:cNvPr id="2" name="Gruppieren 1">
             <a:extLst>
               <a:ext uri="{FF2B5EF4-FFF2-40B4-BE49-F238E27FC236}">
-                <a16:creationId xmlns:a16="http://schemas.microsoft.com/office/drawing/2014/main" id="{FC4CF668-2DA4-4D9F-865B-C7E54CB268BE}"/>
+                <a16:creationId xmlns:a16="http://schemas.microsoft.com/office/drawing/2014/main" id="{0B45F2F6-146C-4C3C-BB80-C9E7EBF491B6}"/>
               </a:ext>
             </a:extLst>
           </p:cNvPr>
-          <p:cNvPicPr>
-            <a:picLocks noChangeAspect="1"/>
-          </p:cNvPicPr>
+          <p:cNvGrpSpPr/>
           <p:nvPr/>
-        </p:nvPicPr>
-        <p:blipFill>
-          <a:blip r:embed="rId11">
-            <a:extLst>
-              <a:ext uri="{28A0092B-C50C-407E-A947-70E740481C1C}">
-                <a14:useLocalDpi xmlns:a14="http://schemas.microsoft.com/office/drawing/2010/main" val="0"/>
-              </a:ext>
-            </a:extLst>
-          </a:blip>
-          <a:stretch>
-            <a:fillRect/>
-          </a:stretch>
-        </p:blipFill>
-        <p:spPr>
-          <a:xfrm>
-            <a:off x="1046120" y="3813307"/>
-            <a:ext cx="572658" cy="677278"/>
-          </a:xfrm>
-          <a:prstGeom prst="rect">
-            <a:avLst/>
-          </a:prstGeom>
-        </p:spPr>
-      </p:pic>
+        </p:nvGrpSpPr>
+        <p:grpSpPr>
+          <a:xfrm>
+            <a:off x="880954" y="3279958"/>
+            <a:ext cx="951716" cy="1429267"/>
+            <a:chOff x="871848" y="3288452"/>
+            <a:chExt cx="951716" cy="1429267"/>
+          </a:xfrm>
+        </p:grpSpPr>
+        <p:pic>
+          <p:nvPicPr>
+            <p:cNvPr id="35" name="Grafik 34">
+              <a:extLst>
+                <a:ext uri="{FF2B5EF4-FFF2-40B4-BE49-F238E27FC236}">
+                  <a16:creationId xmlns:a16="http://schemas.microsoft.com/office/drawing/2014/main" id="{F15CB9FD-424D-44B7-83D0-4AD51B2A8A98}"/>
+                </a:ext>
+              </a:extLst>
+            </p:cNvPr>
+            <p:cNvPicPr>
+              <a:picLocks noChangeAspect="1"/>
+            </p:cNvPicPr>
+            <p:nvPr/>
+          </p:nvPicPr>
+          <p:blipFill>
+            <a:blip r:embed="rId10" cstate="print">
+              <a:duotone>
+                <a:srgbClr val="73AF55">
+                  <a:shade val="45000"/>
+                  <a:satMod val="135000"/>
+                </a:srgbClr>
+                <a:prstClr val="white"/>
+              </a:duotone>
+              <a:extLst>
+                <a:ext uri="{28A0092B-C50C-407E-A947-70E740481C1C}">
+                  <a14:useLocalDpi xmlns:a14="http://schemas.microsoft.com/office/drawing/2010/main" val="0"/>
+                </a:ext>
+              </a:extLst>
+            </a:blip>
+            <a:stretch>
+              <a:fillRect/>
+            </a:stretch>
+          </p:blipFill>
+          <p:spPr>
+            <a:xfrm>
+              <a:off x="871848" y="3985006"/>
+              <a:ext cx="951716" cy="732713"/>
+            </a:xfrm>
+            <a:prstGeom prst="rect">
+              <a:avLst/>
+            </a:prstGeom>
+          </p:spPr>
+        </p:pic>
+        <p:pic>
+          <p:nvPicPr>
+            <p:cNvPr id="57" name="Grafik 56">
+              <a:extLst>
+                <a:ext uri="{FF2B5EF4-FFF2-40B4-BE49-F238E27FC236}">
+                  <a16:creationId xmlns:a16="http://schemas.microsoft.com/office/drawing/2014/main" id="{763D829E-9F2E-4BBC-B386-5515EE3F6121}"/>
+                </a:ext>
+              </a:extLst>
+            </p:cNvPr>
+            <p:cNvPicPr>
+              <a:picLocks noChangeAspect="1"/>
+            </p:cNvPicPr>
+            <p:nvPr/>
+          </p:nvPicPr>
+          <p:blipFill>
+            <a:blip r:embed="rId10" cstate="print">
+              <a:duotone>
+                <a:srgbClr val="004B96">
+                  <a:shade val="45000"/>
+                  <a:satMod val="135000"/>
+                </a:srgbClr>
+                <a:prstClr val="white"/>
+              </a:duotone>
+              <a:extLst>
+                <a:ext uri="{28A0092B-C50C-407E-A947-70E740481C1C}">
+                  <a14:useLocalDpi xmlns:a14="http://schemas.microsoft.com/office/drawing/2010/main" val="0"/>
+                </a:ext>
+              </a:extLst>
+            </a:blip>
+            <a:stretch>
+              <a:fillRect/>
+            </a:stretch>
+          </p:blipFill>
+          <p:spPr>
+            <a:xfrm>
+              <a:off x="871848" y="3288452"/>
+              <a:ext cx="951716" cy="732713"/>
+            </a:xfrm>
+            <a:prstGeom prst="rect">
+              <a:avLst/>
+            </a:prstGeom>
+          </p:spPr>
+        </p:pic>
+      </p:grpSp>
     </p:spTree>
     <p:extLst>
       <p:ext uri="{BB962C8B-B14F-4D97-AF65-F5344CB8AC3E}">
